--- a/presentations/truthcoin-outcomes.pptx
+++ b/presentations/truthcoin-outcomes.pptx
@@ -5,10 +5,10 @@
     <p:sldMasterId id="2147483648" r:id="rId1"/>
   </p:sldMasterIdLst>
   <p:notesMasterIdLst>
-    <p:notesMasterId r:id="rId33"/>
+    <p:notesMasterId r:id="rId34"/>
   </p:notesMasterIdLst>
   <p:handoutMasterIdLst>
-    <p:handoutMasterId r:id="rId34"/>
+    <p:handoutMasterId r:id="rId35"/>
   </p:handoutMasterIdLst>
   <p:sldIdLst>
     <p:sldId id="256" r:id="rId2"/>
@@ -34,14 +34,15 @@
     <p:sldId id="303" r:id="rId22"/>
     <p:sldId id="302" r:id="rId23"/>
     <p:sldId id="297" r:id="rId24"/>
-    <p:sldId id="305" r:id="rId25"/>
-    <p:sldId id="299" r:id="rId26"/>
-    <p:sldId id="306" r:id="rId27"/>
-    <p:sldId id="286" r:id="rId28"/>
-    <p:sldId id="292" r:id="rId29"/>
-    <p:sldId id="294" r:id="rId30"/>
-    <p:sldId id="295" r:id="rId31"/>
-    <p:sldId id="280" r:id="rId32"/>
+    <p:sldId id="307" r:id="rId25"/>
+    <p:sldId id="305" r:id="rId26"/>
+    <p:sldId id="299" r:id="rId27"/>
+    <p:sldId id="306" r:id="rId28"/>
+    <p:sldId id="286" r:id="rId29"/>
+    <p:sldId id="292" r:id="rId30"/>
+    <p:sldId id="294" r:id="rId31"/>
+    <p:sldId id="295" r:id="rId32"/>
+    <p:sldId id="280" r:id="rId33"/>
   </p:sldIdLst>
   <p:sldSz cx="9144000" cy="6858000" type="screen4x3"/>
   <p:notesSz cx="6858000" cy="9296400"/>
@@ -225,7 +226,7 @@
           <a:p>
             <a:fld id="{19C2828D-B105-4BCE-8772-9F2FCF3786A1}" type="datetimeFigureOut">
               <a:rPr lang="en-US" smtClean="0"/>
-              <a:t>10/26/2014</a:t>
+              <a:t>6/11/2015</a:t>
             </a:fld>
             <a:endParaRPr lang="en-US"/>
           </a:p>
@@ -390,7 +391,7 @@
           <a:p>
             <a:fld id="{B54C5B88-CBB7-435F-9AAB-D075EF15EEDD}" type="datetimeFigureOut">
               <a:rPr lang="en-US" smtClean="0"/>
-              <a:t>10/26/2014</a:t>
+              <a:t>6/11/2015</a:t>
             </a:fld>
             <a:endParaRPr lang="en-US"/>
           </a:p>
@@ -2063,7 +2064,15 @@
           <a:bodyPr/>
           <a:lstStyle/>
           <a:p>
-            <a:endParaRPr lang="en-US"/>
+            <a:r>
+              <a:rPr lang="en-US" dirty="0" smtClean="0"/>
+              <a:t>Too</a:t>
+            </a:r>
+            <a:r>
+              <a:rPr lang="en-US" baseline="0" dirty="0" smtClean="0"/>
+              <a:t> complicated to explain the Tau Range.</a:t>
+            </a:r>
+            <a:endParaRPr lang="en-US" dirty="0"/>
           </a:p>
         </p:txBody>
       </p:sp>
@@ -2084,7 +2093,7 @@
           <a:p>
             <a:fld id="{366C0CCF-A186-4136-8F75-BBB511D445CE}" type="slidenum">
               <a:rPr lang="en-US" smtClean="0"/>
-              <a:t>27</a:t>
+              <a:t>26</a:t>
             </a:fld>
             <a:endParaRPr lang="en-US"/>
           </a:p>
@@ -2093,7 +2102,7 @@
     </p:spTree>
     <p:extLst>
       <p:ext uri="{BB962C8B-B14F-4D97-AF65-F5344CB8AC3E}">
-        <p14:creationId xmlns:p14="http://schemas.microsoft.com/office/powerpoint/2010/main" val="3107957816"/>
+        <p14:creationId xmlns:p14="http://schemas.microsoft.com/office/powerpoint/2010/main" val="3983203548"/>
       </p:ext>
     </p:extLst>
   </p:cSld>
@@ -2147,6 +2156,18 @@
           <a:bodyPr/>
           <a:lstStyle/>
           <a:p>
+            <a:r>
+              <a:rPr lang="en-US" dirty="0" smtClean="0"/>
+              <a:t>No</a:t>
+            </a:r>
+            <a:r>
+              <a:rPr lang="en-US" baseline="0" dirty="0" smtClean="0"/>
+              <a:t> reason to continually </a:t>
+            </a:r>
+            <a:r>
+              <a:rPr lang="en-US" baseline="0" smtClean="0"/>
+              <a:t>update this.</a:t>
+            </a:r>
             <a:endParaRPr lang="en-US"/>
           </a:p>
         </p:txBody>
@@ -2177,7 +2198,7 @@
     </p:spTree>
     <p:extLst>
       <p:ext uri="{BB962C8B-B14F-4D97-AF65-F5344CB8AC3E}">
-        <p14:creationId xmlns:p14="http://schemas.microsoft.com/office/powerpoint/2010/main" val="204918083"/>
+        <p14:creationId xmlns:p14="http://schemas.microsoft.com/office/powerpoint/2010/main" val="3107957816"/>
       </p:ext>
     </p:extLst>
   </p:cSld>
@@ -2352,23 +2373,7 @@
           <a:bodyPr/>
           <a:lstStyle/>
           <a:p>
-            <a:r>
-              <a:rPr lang="en-US" dirty="0" smtClean="0"/>
-              <a:t>It is possible,</a:t>
-            </a:r>
-            <a:r>
-              <a:rPr lang="en-US" baseline="0" dirty="0" smtClean="0"/>
-              <a:t> in economic science, </a:t>
-            </a:r>
-            <a:r>
-              <a:rPr lang="en-US" dirty="0" smtClean="0"/>
-              <a:t>to build a</a:t>
-            </a:r>
-            <a:r>
-              <a:rPr lang="en-US" baseline="0" dirty="0" smtClean="0"/>
-              <a:t> market where one always has someone to trade against, even if the market has a total of one trader.</a:t>
-            </a:r>
-            <a:endParaRPr lang="en-US" dirty="0"/>
+            <a:endParaRPr lang="en-US"/>
           </a:p>
         </p:txBody>
       </p:sp>
@@ -2398,7 +2403,7 @@
     </p:spTree>
     <p:extLst>
       <p:ext uri="{BB962C8B-B14F-4D97-AF65-F5344CB8AC3E}">
-        <p14:creationId xmlns:p14="http://schemas.microsoft.com/office/powerpoint/2010/main" val="353621252"/>
+        <p14:creationId xmlns:p14="http://schemas.microsoft.com/office/powerpoint/2010/main" val="204918083"/>
       </p:ext>
     </p:extLst>
   </p:cSld>
@@ -2454,25 +2459,19 @@
           <a:p>
             <a:r>
               <a:rPr lang="en-US" dirty="0" smtClean="0"/>
-              <a:t>Hal Finney</a:t>
-            </a:r>
-            <a:br>
+              <a:t>It is possible,</a:t>
+            </a:r>
+            <a:r>
+              <a:rPr lang="en-US" baseline="0" dirty="0" smtClean="0"/>
+              <a:t> in economic science, </a:t>
+            </a:r>
+            <a:r>
               <a:rPr lang="en-US" dirty="0" smtClean="0"/>
-            </a:br>
-            <a:r>
-              <a:rPr lang="en-US" dirty="0" smtClean="0"/>
-              <a:t/>
-            </a:r>
-            <a:br>
-              <a:rPr lang="en-US" dirty="0" smtClean="0"/>
-            </a:br>
-            <a:r>
-              <a:rPr lang="en-US" dirty="0" smtClean="0"/>
-              <a:t>Use Buying</a:t>
+              <a:t>to build a</a:t>
             </a:r>
             <a:r>
               <a:rPr lang="en-US" baseline="0" dirty="0" smtClean="0"/>
-              <a:t> or the Info Prize</a:t>
+              <a:t> market where one always has someone to trade against, even if the market has a total of one trader.</a:t>
             </a:r>
             <a:endParaRPr lang="en-US" dirty="0"/>
           </a:p>
@@ -2504,7 +2503,7 @@
     </p:spTree>
     <p:extLst>
       <p:ext uri="{BB962C8B-B14F-4D97-AF65-F5344CB8AC3E}">
-        <p14:creationId xmlns:p14="http://schemas.microsoft.com/office/powerpoint/2010/main" val="3644968662"/>
+        <p14:creationId xmlns:p14="http://schemas.microsoft.com/office/powerpoint/2010/main" val="353621252"/>
       </p:ext>
     </p:extLst>
   </p:cSld>
@@ -2558,24 +2557,27 @@
           <a:bodyPr/>
           <a:lstStyle/>
           <a:p>
-            <a:endParaRPr lang="en-US" dirty="0" smtClean="0"/>
-          </a:p>
-          <a:p>
             <a:r>
               <a:rPr lang="en-US" dirty="0" smtClean="0"/>
-              <a:t>Climbed to the top</a:t>
+              <a:t>Hal Finney</a:t>
+            </a:r>
+            <a:br>
+              <a:rPr lang="en-US" dirty="0" smtClean="0"/>
+            </a:br>
+            <a:r>
+              <a:rPr lang="en-US" dirty="0" smtClean="0"/>
+              <a:t/>
+            </a:r>
+            <a:br>
+              <a:rPr lang="en-US" dirty="0" smtClean="0"/>
+            </a:br>
+            <a:r>
+              <a:rPr lang="en-US" dirty="0" smtClean="0"/>
+              <a:t>Use Buying</a:t>
             </a:r>
             <a:r>
               <a:rPr lang="en-US" baseline="0" dirty="0" smtClean="0"/>
-              <a:t> of </a:t>
-            </a:r>
-            <a:r>
-              <a:rPr lang="en-US" baseline="0" dirty="0" err="1" smtClean="0"/>
-              <a:t>yCombinator</a:t>
-            </a:r>
-            <a:r>
-              <a:rPr lang="en-US" baseline="0" dirty="0" smtClean="0"/>
-              <a:t>, while I was on vacation like in early May or something.</a:t>
+              <a:t> or the Info Prize</a:t>
             </a:r>
             <a:endParaRPr lang="en-US" dirty="0"/>
           </a:p>
@@ -2599,6 +2601,109 @@
             <a:fld id="{366C0CCF-A186-4136-8F75-BBB511D445CE}" type="slidenum">
               <a:rPr lang="en-US" smtClean="0"/>
               <a:t>31</a:t>
+            </a:fld>
+            <a:endParaRPr lang="en-US"/>
+          </a:p>
+        </p:txBody>
+      </p:sp>
+    </p:spTree>
+    <p:extLst>
+      <p:ext uri="{BB962C8B-B14F-4D97-AF65-F5344CB8AC3E}">
+        <p14:creationId xmlns:p14="http://schemas.microsoft.com/office/powerpoint/2010/main" val="3644968662"/>
+      </p:ext>
+    </p:extLst>
+  </p:cSld>
+  <p:clrMapOvr>
+    <a:masterClrMapping/>
+  </p:clrMapOvr>
+</p:notes>
+</file>
+
+<file path=ppt/notesSlides/notesSlide23.xml><?xml version="1.0" encoding="utf-8"?>
+<p:notes xmlns:a="http://schemas.openxmlformats.org/drawingml/2006/main" xmlns:r="http://schemas.openxmlformats.org/officeDocument/2006/relationships" xmlns:p="http://schemas.openxmlformats.org/presentationml/2006/main">
+  <p:cSld>
+    <p:spTree>
+      <p:nvGrpSpPr>
+        <p:cNvPr id="1" name=""/>
+        <p:cNvGrpSpPr/>
+        <p:nvPr/>
+      </p:nvGrpSpPr>
+      <p:grpSpPr>
+        <a:xfrm>
+          <a:off x="0" y="0"/>
+          <a:ext cx="0" cy="0"/>
+          <a:chOff x="0" y="0"/>
+          <a:chExt cx="0" cy="0"/>
+        </a:xfrm>
+      </p:grpSpPr>
+      <p:sp>
+        <p:nvSpPr>
+          <p:cNvPr id="2" name="Slide Image Placeholder 1"/>
+          <p:cNvSpPr>
+            <a:spLocks noGrp="1" noRot="1" noChangeAspect="1"/>
+          </p:cNvSpPr>
+          <p:nvPr>
+            <p:ph type="sldImg"/>
+          </p:nvPr>
+        </p:nvSpPr>
+        <p:spPr/>
+      </p:sp>
+      <p:sp>
+        <p:nvSpPr>
+          <p:cNvPr id="3" name="Notes Placeholder 2"/>
+          <p:cNvSpPr>
+            <a:spLocks noGrp="1"/>
+          </p:cNvSpPr>
+          <p:nvPr>
+            <p:ph type="body" idx="1"/>
+          </p:nvPr>
+        </p:nvSpPr>
+        <p:spPr/>
+        <p:txBody>
+          <a:bodyPr/>
+          <a:lstStyle/>
+          <a:p>
+            <a:endParaRPr lang="en-US" dirty="0" smtClean="0"/>
+          </a:p>
+          <a:p>
+            <a:r>
+              <a:rPr lang="en-US" dirty="0" smtClean="0"/>
+              <a:t>Climbed to the top</a:t>
+            </a:r>
+            <a:r>
+              <a:rPr lang="en-US" baseline="0" dirty="0" smtClean="0"/>
+              <a:t> of </a:t>
+            </a:r>
+            <a:r>
+              <a:rPr lang="en-US" baseline="0" dirty="0" err="1" smtClean="0"/>
+              <a:t>yCombinator</a:t>
+            </a:r>
+            <a:r>
+              <a:rPr lang="en-US" baseline="0" dirty="0" smtClean="0"/>
+              <a:t>, while I was on vacation like in early May or something.</a:t>
+            </a:r>
+            <a:endParaRPr lang="en-US" dirty="0"/>
+          </a:p>
+        </p:txBody>
+      </p:sp>
+      <p:sp>
+        <p:nvSpPr>
+          <p:cNvPr id="4" name="Slide Number Placeholder 3"/>
+          <p:cNvSpPr>
+            <a:spLocks noGrp="1"/>
+          </p:cNvSpPr>
+          <p:nvPr>
+            <p:ph type="sldNum" sz="quarter" idx="10"/>
+          </p:nvPr>
+        </p:nvSpPr>
+        <p:spPr/>
+        <p:txBody>
+          <a:bodyPr/>
+          <a:lstStyle/>
+          <a:p>
+            <a:fld id="{366C0CCF-A186-4136-8F75-BBB511D445CE}" type="slidenum">
+              <a:rPr lang="en-US" smtClean="0"/>
+              <a:t>32</a:t>
             </a:fld>
             <a:endParaRPr lang="en-US"/>
           </a:p>
@@ -3534,7 +3639,7 @@
           <a:p>
             <a:fld id="{68EC08C7-67A4-4B77-AAA4-58DE7C485FD2}" type="datetime1">
               <a:rPr lang="en-US" smtClean="0"/>
-              <a:t>10/26/2014</a:t>
+              <a:t>6/11/2015</a:t>
             </a:fld>
             <a:endParaRPr lang="en-US"/>
           </a:p>
@@ -3704,7 +3809,7 @@
           <a:p>
             <a:fld id="{23252AFD-B865-4897-A7E3-F4EDF88033A3}" type="datetime1">
               <a:rPr lang="en-US" smtClean="0"/>
-              <a:t>10/26/2014</a:t>
+              <a:t>6/11/2015</a:t>
             </a:fld>
             <a:endParaRPr lang="en-US"/>
           </a:p>
@@ -3884,7 +3989,7 @@
           <a:p>
             <a:fld id="{4021AE06-87E9-4FC0-86FC-5FB1F7F107F5}" type="datetime1">
               <a:rPr lang="en-US" smtClean="0"/>
-              <a:t>10/26/2014</a:t>
+              <a:t>6/11/2015</a:t>
             </a:fld>
             <a:endParaRPr lang="en-US"/>
           </a:p>
@@ -4054,7 +4159,7 @@
           <a:p>
             <a:fld id="{16A3E165-64DA-44D8-8317-68CB176576E3}" type="datetime1">
               <a:rPr lang="en-US" smtClean="0"/>
-              <a:t>10/26/2014</a:t>
+              <a:t>6/11/2015</a:t>
             </a:fld>
             <a:endParaRPr lang="en-US"/>
           </a:p>
@@ -4300,7 +4405,7 @@
           <a:p>
             <a:fld id="{79932EA0-5266-4406-A35C-377933F29F22}" type="datetime1">
               <a:rPr lang="en-US" smtClean="0"/>
-              <a:t>10/26/2014</a:t>
+              <a:t>6/11/2015</a:t>
             </a:fld>
             <a:endParaRPr lang="en-US"/>
           </a:p>
@@ -4588,7 +4693,7 @@
           <a:p>
             <a:fld id="{F095712A-AD92-440D-9A62-96B164FBB75A}" type="datetime1">
               <a:rPr lang="en-US" smtClean="0"/>
-              <a:t>10/26/2014</a:t>
+              <a:t>6/11/2015</a:t>
             </a:fld>
             <a:endParaRPr lang="en-US"/>
           </a:p>
@@ -5010,7 +5115,7 @@
           <a:p>
             <a:fld id="{160D11B3-75F1-4919-BD1E-368741A552FB}" type="datetime1">
               <a:rPr lang="en-US" smtClean="0"/>
-              <a:t>10/26/2014</a:t>
+              <a:t>6/11/2015</a:t>
             </a:fld>
             <a:endParaRPr lang="en-US"/>
           </a:p>
@@ -5128,7 +5233,7 @@
           <a:p>
             <a:fld id="{1517E4EE-FB9D-4336-BFBB-60207CE4AA96}" type="datetime1">
               <a:rPr lang="en-US" smtClean="0"/>
-              <a:t>10/26/2014</a:t>
+              <a:t>6/11/2015</a:t>
             </a:fld>
             <a:endParaRPr lang="en-US"/>
           </a:p>
@@ -5223,7 +5328,7 @@
           <a:p>
             <a:fld id="{734D5F8F-6427-48B8-A140-6BDAEEE304D3}" type="datetime1">
               <a:rPr lang="en-US" smtClean="0"/>
-              <a:t>10/26/2014</a:t>
+              <a:t>6/11/2015</a:t>
             </a:fld>
             <a:endParaRPr lang="en-US"/>
           </a:p>
@@ -5500,7 +5605,7 @@
           <a:p>
             <a:fld id="{A7A21A4A-8D41-4746-AC05-73E5A334A58A}" type="datetime1">
               <a:rPr lang="en-US" smtClean="0"/>
-              <a:t>10/26/2014</a:t>
+              <a:t>6/11/2015</a:t>
             </a:fld>
             <a:endParaRPr lang="en-US"/>
           </a:p>
@@ -5753,7 +5858,7 @@
           <a:p>
             <a:fld id="{20D9120D-8315-4100-B511-A9988E334151}" type="datetime1">
               <a:rPr lang="en-US" smtClean="0"/>
-              <a:t>10/26/2014</a:t>
+              <a:t>6/11/2015</a:t>
             </a:fld>
             <a:endParaRPr lang="en-US"/>
           </a:p>
@@ -5966,7 +6071,7 @@
           <a:p>
             <a:fld id="{8F9E7F0B-4E9F-401A-9356-9BB568C8C4DD}" type="datetime1">
               <a:rPr lang="en-US" smtClean="0"/>
-              <a:t>10/26/2014</a:t>
+              <a:t>6/11/2015</a:t>
             </a:fld>
             <a:endParaRPr lang="en-US"/>
           </a:p>
@@ -19555,7 +19660,7 @@
         <p:spPr>
           <a:xfrm>
             <a:off x="304800" y="1143000"/>
-            <a:ext cx="8229600" cy="5334000"/>
+            <a:ext cx="8305800" cy="5562600"/>
           </a:xfrm>
         </p:spPr>
         <p:txBody>
@@ -19686,7 +19791,21 @@
             </a:pPr>
             <a:r>
               <a:rPr lang="en-US" dirty="0" smtClean="0"/>
-              <a:t>Previously, your ‘investment’ was low.</a:t>
+              <a:t>Previously, your ‘investment’ was low</a:t>
+            </a:r>
+            <a:r>
+              <a:rPr lang="en-US" dirty="0" smtClean="0"/>
+              <a:t>.</a:t>
+            </a:r>
+          </a:p>
+          <a:p>
+            <a:pPr marL="971550" lvl="1" indent="-514350">
+              <a:buFont typeface="+mj-lt"/>
+              <a:buAutoNum type="arabicPeriod"/>
+            </a:pPr>
+            <a:r>
+              <a:rPr lang="en-US" dirty="0" smtClean="0"/>
+              <a:t>Strong resistance to the (otherwise fatal) “exit scam”.</a:t>
             </a:r>
             <a:endParaRPr lang="en-US" dirty="0"/>
           </a:p>
@@ -19760,8 +19879,8 @@
         </p:nvSpPr>
         <p:spPr>
           <a:xfrm>
-            <a:off x="381000" y="3663578"/>
-            <a:ext cx="8534400" cy="2923877"/>
+            <a:off x="381000" y="2580903"/>
+            <a:ext cx="8534400" cy="3662541"/>
           </a:xfrm>
           <a:prstGeom prst="rect">
             <a:avLst/>
@@ -19797,15 +19916,7 @@
           <a:p>
             <a:r>
               <a:rPr lang="en-US" sz="2400" dirty="0" smtClean="0"/>
-              <a:t>Could execute same ‘lie attack’, only </a:t>
-            </a:r>
-            <a:r>
-              <a:rPr lang="en-US" sz="2400" dirty="0" smtClean="0"/>
-              <a:t>worse </a:t>
-            </a:r>
-            <a:r>
-              <a:rPr lang="en-US" sz="2400" dirty="0" smtClean="0"/>
-              <a:t>(51/100</a:t>
+              <a:t>Could execute same ‘lie attack’, only worse (51/100</a:t>
             </a:r>
             <a:r>
               <a:rPr lang="en-US" sz="2400" baseline="30000" dirty="0" smtClean="0"/>
@@ -19818,6 +19929,22 @@
             <a:r>
               <a:rPr lang="en-US" sz="2400" dirty="0" smtClean="0"/>
               <a:t>)!</a:t>
+            </a:r>
+          </a:p>
+          <a:p>
+            <a:r>
+              <a:rPr lang="en-US" sz="2400" dirty="0" smtClean="0"/>
+              <a:t>    To SVD, we add:</a:t>
+            </a:r>
+          </a:p>
+          <a:p>
+            <a:r>
+              <a:rPr lang="en-US" sz="2400" dirty="0"/>
+              <a:t> </a:t>
+            </a:r>
+            <a:r>
+              <a:rPr lang="en-US" sz="2400" dirty="0" smtClean="0"/>
+              <a:t>   [1] The Audit, [2] The Miner Veto, and [3] The Miner Override.</a:t>
             </a:r>
             <a:endParaRPr lang="en-US" sz="2400" dirty="0" smtClean="0"/>
           </a:p>
@@ -19866,7 +19993,7 @@
         </p:blipFill>
         <p:spPr bwMode="auto">
           <a:xfrm flipH="1">
-            <a:off x="4724400" y="3302233"/>
+            <a:off x="4724400" y="2219558"/>
             <a:ext cx="2286000" cy="1228003"/>
           </a:xfrm>
           <a:prstGeom prst="rect">
@@ -19908,7 +20035,7 @@
         </p:blipFill>
         <p:spPr bwMode="auto">
           <a:xfrm>
-            <a:off x="5486400" y="2723487"/>
+            <a:off x="5486400" y="1640812"/>
             <a:ext cx="440929" cy="796863"/>
           </a:xfrm>
           <a:prstGeom prst="rect">
@@ -19938,7 +20065,7 @@
         </p:nvSpPr>
         <p:spPr>
           <a:xfrm>
-            <a:off x="457200" y="990600"/>
+            <a:off x="457200" y="76200"/>
             <a:ext cx="8229600" cy="1143000"/>
           </a:xfrm>
         </p:spPr>
@@ -19966,7 +20093,12 @@
             <p:ph type="sldNum" sz="quarter" idx="12"/>
           </p:nvPr>
         </p:nvSpPr>
-        <p:spPr/>
+        <p:spPr>
+          <a:xfrm>
+            <a:off x="6553200" y="6416675"/>
+            <a:ext cx="2133600" cy="365125"/>
+          </a:xfrm>
+        </p:spPr>
         <p:txBody>
           <a:bodyPr/>
           <a:lstStyle/>
@@ -19975,7 +20107,7 @@
               <a:rPr lang="en-US" smtClean="0"/>
               <a:t>19</a:t>
             </a:fld>
-            <a:endParaRPr lang="en-US"/>
+            <a:endParaRPr lang="en-US" dirty="0"/>
           </a:p>
         </p:txBody>
       </p:sp>
@@ -20002,7 +20134,7 @@
         </p:blipFill>
         <p:spPr bwMode="auto">
           <a:xfrm>
-            <a:off x="1905000" y="2932545"/>
+            <a:off x="1905000" y="1849870"/>
             <a:ext cx="1295400" cy="1790253"/>
           </a:xfrm>
           <a:prstGeom prst="rect">
@@ -20050,7 +20182,7 @@
         </p:blipFill>
         <p:spPr bwMode="auto">
           <a:xfrm>
-            <a:off x="4992849" y="2862519"/>
+            <a:off x="4992849" y="1779844"/>
             <a:ext cx="440929" cy="796863"/>
           </a:xfrm>
           <a:prstGeom prst="rect">
@@ -20098,7 +20230,7 @@
         </p:blipFill>
         <p:spPr bwMode="auto">
           <a:xfrm>
-            <a:off x="5271124" y="2903801"/>
+            <a:off x="5271124" y="1821126"/>
             <a:ext cx="440929" cy="796863"/>
           </a:xfrm>
           <a:prstGeom prst="rect">
@@ -20146,7 +20278,7 @@
         </p:blipFill>
         <p:spPr bwMode="auto">
           <a:xfrm>
-            <a:off x="5117226" y="3030808"/>
+            <a:off x="5117226" y="1948133"/>
             <a:ext cx="440929" cy="796863"/>
           </a:xfrm>
           <a:prstGeom prst="rect">
@@ -20194,7 +20326,7 @@
         </p:blipFill>
         <p:spPr bwMode="auto">
           <a:xfrm>
-            <a:off x="4830195" y="2663630"/>
+            <a:off x="4830195" y="1580955"/>
             <a:ext cx="440929" cy="796863"/>
           </a:xfrm>
           <a:prstGeom prst="rect">
@@ -20242,7 +20374,7 @@
         </p:blipFill>
         <p:spPr bwMode="auto">
           <a:xfrm>
-            <a:off x="6062918" y="2819399"/>
+            <a:off x="6062918" y="1736724"/>
             <a:ext cx="440929" cy="796863"/>
           </a:xfrm>
           <a:prstGeom prst="rect">
@@ -20290,7 +20422,7 @@
         </p:blipFill>
         <p:spPr bwMode="auto">
           <a:xfrm>
-            <a:off x="5700289" y="2913565"/>
+            <a:off x="5700289" y="1830890"/>
             <a:ext cx="440929" cy="796863"/>
           </a:xfrm>
           <a:prstGeom prst="rect">
@@ -20763,7 +20895,7 @@
           <a:p>
             <a:r>
               <a:rPr lang="en-US" dirty="0" smtClean="0"/>
-              <a:t>Preventing the &gt;51% Attack: Audit</a:t>
+              <a:t>[1] Audit</a:t>
             </a:r>
             <a:endParaRPr lang="en-US" dirty="0"/>
           </a:p>
@@ -20781,8 +20913,8 @@
         </p:nvSpPr>
         <p:spPr>
           <a:xfrm>
-            <a:off x="457200" y="990600"/>
-            <a:ext cx="8229600" cy="2819400"/>
+            <a:off x="228600" y="990600"/>
+            <a:ext cx="8610600" cy="2819400"/>
           </a:xfrm>
         </p:spPr>
         <p:txBody>
@@ -22253,34 +22385,14 @@
             <a:pPr lvl="1"/>
             <a:r>
               <a:rPr lang="en-US" dirty="0" smtClean="0"/>
-              <a:t>Honest Voters have recourse for ‘sticking it out’ </a:t>
-            </a:r>
+              <a:t>Honest Voters have recourse for ‘sticking it out’ (not only overall, but especially on a Decision-by-Decision basis).</a:t>
+            </a:r>
+          </a:p>
+          <a:p>
+            <a:pPr lvl="1"/>
             <a:r>
               <a:rPr lang="en-US" dirty="0" smtClean="0"/>
-              <a:t>(</a:t>
-            </a:r>
-            <a:r>
-              <a:rPr lang="en-US" dirty="0" smtClean="0"/>
-              <a:t>not only overall, but </a:t>
-            </a:r>
-            <a:r>
-              <a:rPr lang="en-US" dirty="0" smtClean="0"/>
-              <a:t>especially </a:t>
-            </a:r>
-            <a:r>
-              <a:rPr lang="en-US" dirty="0" smtClean="0"/>
-              <a:t>on a Decision-by-Decision basis).</a:t>
-            </a:r>
-          </a:p>
-          <a:p>
-            <a:pPr lvl="1"/>
-            <a:r>
-              <a:rPr lang="en-US" dirty="0" smtClean="0"/>
-              <a:t>Therefore, Voters are unlikely to trust each others (even if they can prove they are a majority</a:t>
-            </a:r>
-            <a:r>
-              <a:rPr lang="en-US" dirty="0" smtClean="0"/>
-              <a:t>).</a:t>
+              <a:t>Therefore, Voters are unlikely to trust each others (even if they can prove they are a majority).</a:t>
             </a:r>
           </a:p>
           <a:p>
@@ -22383,7 +22495,7 @@
           <a:p>
             <a:r>
               <a:rPr lang="en-US" dirty="0" smtClean="0"/>
-              <a:t>Miner Veto Seals the Deal</a:t>
+              <a:t>[2] Miner Veto</a:t>
             </a:r>
             <a:endParaRPr lang="en-US" dirty="0"/>
           </a:p>
@@ -23402,8 +23514,8 @@
         </p:nvSpPr>
         <p:spPr>
           <a:xfrm>
-            <a:off x="152400" y="3615898"/>
-            <a:ext cx="4063584" cy="3242102"/>
+            <a:off x="76200" y="3615898"/>
+            <a:ext cx="4191000" cy="3242102"/>
           </a:xfrm>
         </p:spPr>
         <p:txBody>
@@ -23414,11 +23526,7 @@
           <a:p>
             <a:r>
               <a:rPr lang="en-US" sz="2400" dirty="0" smtClean="0"/>
-              <a:t>50% </a:t>
-            </a:r>
-            <a:r>
-              <a:rPr lang="en-US" sz="2400" dirty="0" smtClean="0"/>
-              <a:t>“</a:t>
+              <a:t>50% “</a:t>
             </a:r>
             <a:r>
               <a:rPr lang="en-US" sz="2400" b="1" dirty="0" smtClean="0">
@@ -23440,11 +23548,7 @@
             <a:pPr lvl="1"/>
             <a:r>
               <a:rPr lang="en-US" sz="2000" dirty="0" smtClean="0"/>
-              <a:t> Ballot </a:t>
-            </a:r>
-            <a:r>
-              <a:rPr lang="en-US" sz="2000" dirty="0" smtClean="0"/>
-              <a:t>/ Audit Ignored</a:t>
+              <a:t> Ballot / Audit Ignored</a:t>
             </a:r>
           </a:p>
           <a:p>
@@ -23464,39 +23568,18 @@
           <a:p>
             <a:r>
               <a:rPr lang="en-US" sz="2400" dirty="0" smtClean="0"/>
-              <a:t>95% “Branch-Veto”</a:t>
-            </a:r>
-            <a:endParaRPr lang="en-US" sz="2400" dirty="0" smtClean="0"/>
+              <a:t>(And/Or) 95</a:t>
+            </a:r>
+            <a:r>
+              <a:rPr lang="en-US" sz="2400" dirty="0" smtClean="0"/>
+              <a:t>% “Branch-Veto”</a:t>
+            </a:r>
           </a:p>
           <a:p>
             <a:pPr lvl="1"/>
             <a:r>
               <a:rPr lang="en-US" sz="1800" dirty="0" smtClean="0"/>
-              <a:t>Branch’s </a:t>
-            </a:r>
-            <a:r>
-              <a:rPr lang="en-US" sz="1800" dirty="0" smtClean="0"/>
-              <a:t>future </a:t>
-            </a:r>
-            <a:r>
-              <a:rPr lang="en-US" sz="1800" dirty="0" smtClean="0"/>
-              <a:t>Decisions </a:t>
-            </a:r>
-            <a:r>
-              <a:rPr lang="en-US" sz="1800" dirty="0" smtClean="0"/>
-              <a:t>can </a:t>
-            </a:r>
-            <a:r>
-              <a:rPr lang="en-US" sz="1800" dirty="0" smtClean="0"/>
-              <a:t>be moved </a:t>
-            </a:r>
-            <a:r>
-              <a:rPr lang="en-US" sz="1800" dirty="0" smtClean="0"/>
-              <a:t>to a different Branch </a:t>
-            </a:r>
-            <a:r>
-              <a:rPr lang="en-US" sz="1800" dirty="0" smtClean="0"/>
-              <a:t>(by their Author).</a:t>
+              <a:t>Branch’s future Decisions can be moved to a different Branch (by their Author).</a:t>
             </a:r>
             <a:endParaRPr lang="en-US" sz="1800" dirty="0"/>
           </a:p>
@@ -24002,22 +24085,14 @@
             <a:pPr algn="ctr"/>
             <a:r>
               <a:rPr lang="en-US" sz="1100" dirty="0" smtClean="0"/>
-              <a:t>Veto </a:t>
-            </a:r>
+              <a:t>Veto Opportunity</a:t>
+            </a:r>
+          </a:p>
+          <a:p>
+            <a:pPr algn="ctr"/>
             <a:r>
               <a:rPr lang="en-US" sz="1100" dirty="0" smtClean="0"/>
-              <a:t>Opportunity</a:t>
-            </a:r>
-          </a:p>
-          <a:p>
-            <a:pPr algn="ctr"/>
-            <a:r>
-              <a:rPr lang="en-US" sz="1100" dirty="0" smtClean="0"/>
-              <a:t>Ends</a:t>
-            </a:r>
-            <a:r>
-              <a:rPr lang="en-US" sz="1100" dirty="0" smtClean="0"/>
-              <a:t>: Resolved!</a:t>
+              <a:t>Ends: Resolved!</a:t>
             </a:r>
             <a:endParaRPr lang="en-US" sz="1100" dirty="0"/>
           </a:p>
@@ -24578,22 +24653,14 @@
             <a:pPr algn="ctr"/>
             <a:r>
               <a:rPr lang="en-US" sz="1100" dirty="0" smtClean="0"/>
-              <a:t>Veto </a:t>
-            </a:r>
+              <a:t>Veto Opportunity</a:t>
+            </a:r>
+          </a:p>
+          <a:p>
+            <a:pPr algn="ctr"/>
             <a:r>
               <a:rPr lang="en-US" sz="1100" dirty="0" smtClean="0"/>
-              <a:t>Opportunity</a:t>
-            </a:r>
-          </a:p>
-          <a:p>
-            <a:pPr algn="ctr"/>
-            <a:r>
-              <a:rPr lang="en-US" sz="1100" dirty="0" smtClean="0"/>
-              <a:t>Ends</a:t>
-            </a:r>
-            <a:r>
-              <a:rPr lang="en-US" sz="1100" dirty="0" smtClean="0"/>
-              <a:t>: Resolved!</a:t>
+              <a:t>Ends: Resolved!</a:t>
             </a:r>
             <a:endParaRPr lang="en-US" sz="1100" dirty="0"/>
           </a:p>
@@ -24718,11 +24785,7 @@
                     <a:p>
                       <a:r>
                         <a:rPr lang="en-US" sz="1050" dirty="0" smtClean="0"/>
-                        <a:t>Ballot </a:t>
-                      </a:r>
-                      <a:r>
-                        <a:rPr lang="en-US" sz="1050" dirty="0" smtClean="0"/>
-                        <a:t>Veto(s)</a:t>
+                        <a:t>Ballot Veto(s)</a:t>
                       </a:r>
                       <a:endParaRPr lang="en-US" sz="1050" dirty="0"/>
                     </a:p>
@@ -24752,11 +24815,7 @@
                     <a:p>
                       <a:r>
                         <a:rPr lang="en-US" sz="1050" dirty="0" smtClean="0"/>
-                        <a:t>Audit </a:t>
-                      </a:r>
-                      <a:r>
-                        <a:rPr lang="en-US" sz="1050" dirty="0" smtClean="0"/>
-                        <a:t>Veto(s)</a:t>
+                        <a:t>Audit Veto(s)</a:t>
                       </a:r>
                       <a:endParaRPr lang="en-US" sz="1050" dirty="0"/>
                     </a:p>
@@ -24806,11 +24865,7 @@
                       </a:r>
                       <a:r>
                         <a:rPr lang="en-US" sz="1050" baseline="0" dirty="0" smtClean="0"/>
-                        <a:t> </a:t>
-                      </a:r>
-                      <a:r>
-                        <a:rPr lang="en-US" sz="1050" baseline="0" dirty="0" smtClean="0"/>
-                        <a:t>Veto(s)</a:t>
+                        <a:t> Veto(s)</a:t>
                       </a:r>
                       <a:endParaRPr lang="en-US" sz="1050" dirty="0"/>
                     </a:p>
@@ -25587,6 +25642,79 @@
       </p:grpSpPr>
       <p:sp>
         <p:nvSpPr>
+          <p:cNvPr id="3" name="Content Placeholder 2"/>
+          <p:cNvSpPr>
+            <a:spLocks noGrp="1"/>
+          </p:cNvSpPr>
+          <p:nvPr>
+            <p:ph idx="1"/>
+          </p:nvPr>
+        </p:nvSpPr>
+        <p:spPr>
+          <a:xfrm>
+            <a:off x="0" y="1143000"/>
+            <a:ext cx="9144000" cy="3149619"/>
+          </a:xfrm>
+        </p:spPr>
+        <p:txBody>
+          <a:bodyPr>
+            <a:normAutofit fontScale="92500" lnSpcReduction="20000"/>
+          </a:bodyPr>
+          <a:lstStyle/>
+          <a:p>
+            <a:r>
+              <a:rPr lang="en-US" dirty="0" smtClean="0"/>
+              <a:t>We need to stop anyone from owing </a:t>
+            </a:r>
+            <a:r>
+              <a:rPr lang="en-US" b="1" dirty="0" smtClean="0"/>
+              <a:t>51% </a:t>
+            </a:r>
+            <a:r>
+              <a:rPr lang="en-US" dirty="0" smtClean="0"/>
+              <a:t>of something…</a:t>
+            </a:r>
+            <a:r>
+              <a:rPr lang="en-US" i="1" dirty="0" smtClean="0"/>
+              <a:t>sound familiar</a:t>
+            </a:r>
+            <a:r>
+              <a:rPr lang="en-US" dirty="0" smtClean="0"/>
+              <a:t>?</a:t>
+            </a:r>
+          </a:p>
+          <a:p>
+            <a:r>
+              <a:rPr lang="en-US" dirty="0" smtClean="0"/>
+              <a:t>Outsource the task of Voting completely to </a:t>
+            </a:r>
+            <a:r>
+              <a:rPr lang="en-US" b="1" dirty="0" smtClean="0"/>
+              <a:t>Miners</a:t>
+            </a:r>
+            <a:r>
+              <a:rPr lang="en-US" dirty="0" smtClean="0"/>
+              <a:t>.</a:t>
+            </a:r>
+            <a:endParaRPr lang="en-US" dirty="0" smtClean="0"/>
+          </a:p>
+          <a:p>
+            <a:r>
+              <a:rPr lang="en-US" dirty="0" smtClean="0"/>
+              <a:t>High instability, extra special effort required, but Miners should always find it to be worthwhile, even profitable. (Comparable to reacting to a software bug / hard fork). </a:t>
+            </a:r>
+          </a:p>
+          <a:p>
+            <a:r>
+              <a:rPr lang="en-US" dirty="0" smtClean="0"/>
+              <a:t>Costs everyone big…attackers most of all.</a:t>
+            </a:r>
+            <a:endParaRPr lang="en-US" b="1" dirty="0" smtClean="0"/>
+          </a:p>
+        </p:txBody>
+      </p:sp>
+      <p:sp>
+        <p:nvSpPr>
           <p:cNvPr id="2" name="Title 1"/>
           <p:cNvSpPr>
             <a:spLocks noGrp="1"/>
@@ -25597,7 +25725,7 @@
         </p:nvSpPr>
         <p:spPr>
           <a:xfrm>
-            <a:off x="457200" y="2438400"/>
+            <a:off x="457200" y="152400"/>
             <a:ext cx="8229600" cy="1143000"/>
           </a:xfrm>
         </p:spPr>
@@ -25607,7 +25735,7 @@
           <a:p>
             <a:r>
               <a:rPr lang="en-US" dirty="0" smtClean="0"/>
-              <a:t>Can it get EVEN BETTER??</a:t>
+              <a:t>[3] Miner Override</a:t>
             </a:r>
             <a:endParaRPr lang="en-US" dirty="0"/>
           </a:p>
@@ -25631,6 +25759,218 @@
             <a:fld id="{082C95A6-F436-44CF-8E3B-7388B694EC46}" type="slidenum">
               <a:rPr lang="en-US" smtClean="0"/>
               <a:t>24</a:t>
+            </a:fld>
+            <a:endParaRPr lang="en-US"/>
+          </a:p>
+        </p:txBody>
+      </p:sp>
+      <p:pic>
+        <p:nvPicPr>
+          <p:cNvPr id="15" name="Picture 2"/>
+          <p:cNvPicPr>
+            <a:picLocks noChangeAspect="1" noChangeArrowheads="1"/>
+          </p:cNvPicPr>
+          <p:nvPr/>
+        </p:nvPicPr>
+        <p:blipFill rotWithShape="1">
+          <a:blip r:embed="rId2">
+            <a:extLst>
+              <a:ext uri="{28A0092B-C50C-407E-A947-70E740481C1C}">
+                <a14:useLocalDpi xmlns:a14="http://schemas.microsoft.com/office/drawing/2010/main" val="0"/>
+              </a:ext>
+            </a:extLst>
+          </a:blip>
+          <a:srcRect l="54659"/>
+          <a:stretch/>
+        </p:blipFill>
+        <p:spPr bwMode="auto">
+          <a:xfrm>
+            <a:off x="2247900" y="4267200"/>
+            <a:ext cx="6934200" cy="2646953"/>
+          </a:xfrm>
+          <a:prstGeom prst="rect">
+            <a:avLst/>
+          </a:prstGeom>
+          <a:noFill/>
+          <a:ln>
+            <a:noFill/>
+          </a:ln>
+          <a:effectLst/>
+          <a:extLst>
+            <a:ext uri="{909E8E84-426E-40DD-AFC4-6F175D3DCCD1}">
+              <a14:hiddenFill xmlns:a14="http://schemas.microsoft.com/office/drawing/2010/main">
+                <a:solidFill>
+                  <a:schemeClr val="accent1"/>
+                </a:solidFill>
+              </a14:hiddenFill>
+            </a:ext>
+            <a:ext uri="{91240B29-F687-4F45-9708-019B960494DF}">
+              <a14:hiddenLine xmlns:a14="http://schemas.microsoft.com/office/drawing/2010/main" w="9525">
+                <a:solidFill>
+                  <a:schemeClr val="tx1"/>
+                </a:solidFill>
+                <a:miter lim="800000"/>
+                <a:headEnd/>
+                <a:tailEnd/>
+              </a14:hiddenLine>
+            </a:ext>
+            <a:ext uri="{AF507438-7753-43E0-B8FC-AC1667EBCBE1}">
+              <a14:hiddenEffects xmlns:a14="http://schemas.microsoft.com/office/drawing/2010/main">
+                <a:effectLst>
+                  <a:outerShdw dist="35921" dir="2700000" algn="ctr" rotWithShape="0">
+                    <a:schemeClr val="bg2"/>
+                  </a:outerShdw>
+                </a:effectLst>
+              </a14:hiddenEffects>
+            </a:ext>
+          </a:extLst>
+        </p:spPr>
+      </p:pic>
+      <p:pic>
+        <p:nvPicPr>
+          <p:cNvPr id="17" name="Picture 2"/>
+          <p:cNvPicPr>
+            <a:picLocks noChangeAspect="1" noChangeArrowheads="1"/>
+          </p:cNvPicPr>
+          <p:nvPr/>
+        </p:nvPicPr>
+        <p:blipFill rotWithShape="1">
+          <a:blip r:embed="rId2">
+            <a:extLst>
+              <a:ext uri="{28A0092B-C50C-407E-A947-70E740481C1C}">
+                <a14:useLocalDpi xmlns:a14="http://schemas.microsoft.com/office/drawing/2010/main" val="0"/>
+              </a:ext>
+            </a:extLst>
+          </a:blip>
+          <a:srcRect r="83901"/>
+          <a:stretch/>
+        </p:blipFill>
+        <p:spPr bwMode="auto">
+          <a:xfrm>
+            <a:off x="228600" y="4292619"/>
+            <a:ext cx="2438400" cy="2621534"/>
+          </a:xfrm>
+          <a:prstGeom prst="rect">
+            <a:avLst/>
+          </a:prstGeom>
+          <a:noFill/>
+          <a:ln>
+            <a:noFill/>
+          </a:ln>
+          <a:effectLst/>
+          <a:extLst>
+            <a:ext uri="{909E8E84-426E-40DD-AFC4-6F175D3DCCD1}">
+              <a14:hiddenFill xmlns:a14="http://schemas.microsoft.com/office/drawing/2010/main">
+                <a:solidFill>
+                  <a:schemeClr val="accent1"/>
+                </a:solidFill>
+              </a14:hiddenFill>
+            </a:ext>
+            <a:ext uri="{91240B29-F687-4F45-9708-019B960494DF}">
+              <a14:hiddenLine xmlns:a14="http://schemas.microsoft.com/office/drawing/2010/main" w="9525">
+                <a:solidFill>
+                  <a:schemeClr val="tx1"/>
+                </a:solidFill>
+                <a:miter lim="800000"/>
+                <a:headEnd/>
+                <a:tailEnd/>
+              </a14:hiddenLine>
+            </a:ext>
+            <a:ext uri="{AF507438-7753-43E0-B8FC-AC1667EBCBE1}">
+              <a14:hiddenEffects xmlns:a14="http://schemas.microsoft.com/office/drawing/2010/main">
+                <a:effectLst>
+                  <a:outerShdw dist="35921" dir="2700000" algn="ctr" rotWithShape="0">
+                    <a:schemeClr val="bg2"/>
+                  </a:outerShdw>
+                </a:effectLst>
+              </a14:hiddenEffects>
+            </a:ext>
+          </a:extLst>
+        </p:spPr>
+      </p:pic>
+    </p:spTree>
+    <p:extLst>
+      <p:ext uri="{BB962C8B-B14F-4D97-AF65-F5344CB8AC3E}">
+        <p14:creationId xmlns:p14="http://schemas.microsoft.com/office/powerpoint/2010/main" val="3469001584"/>
+      </p:ext>
+    </p:extLst>
+  </p:cSld>
+  <p:clrMapOvr>
+    <a:masterClrMapping/>
+  </p:clrMapOvr>
+  <p:timing>
+    <p:tnLst>
+      <p:par>
+        <p:cTn id="1" dur="indefinite" restart="never" nodeType="tmRoot"/>
+      </p:par>
+    </p:tnLst>
+  </p:timing>
+</p:sld>
+</file>
+
+<file path=ppt/slides/slide25.xml><?xml version="1.0" encoding="utf-8"?>
+<p:sld xmlns:a="http://schemas.openxmlformats.org/drawingml/2006/main" xmlns:r="http://schemas.openxmlformats.org/officeDocument/2006/relationships" xmlns:p="http://schemas.openxmlformats.org/presentationml/2006/main" show="0">
+  <p:cSld>
+    <p:spTree>
+      <p:nvGrpSpPr>
+        <p:cNvPr id="1" name=""/>
+        <p:cNvGrpSpPr/>
+        <p:nvPr/>
+      </p:nvGrpSpPr>
+      <p:grpSpPr>
+        <a:xfrm>
+          <a:off x="0" y="0"/>
+          <a:ext cx="0" cy="0"/>
+          <a:chOff x="0" y="0"/>
+          <a:chExt cx="0" cy="0"/>
+        </a:xfrm>
+      </p:grpSpPr>
+      <p:sp>
+        <p:nvSpPr>
+          <p:cNvPr id="2" name="Title 1"/>
+          <p:cNvSpPr>
+            <a:spLocks noGrp="1"/>
+          </p:cNvSpPr>
+          <p:nvPr>
+            <p:ph type="title"/>
+          </p:nvPr>
+        </p:nvSpPr>
+        <p:spPr>
+          <a:xfrm>
+            <a:off x="457200" y="2438400"/>
+            <a:ext cx="8229600" cy="1143000"/>
+          </a:xfrm>
+        </p:spPr>
+        <p:txBody>
+          <a:bodyPr/>
+          <a:lstStyle/>
+          <a:p>
+            <a:r>
+              <a:rPr lang="en-US" dirty="0" smtClean="0"/>
+              <a:t>Can it get EVEN BETTER??</a:t>
+            </a:r>
+            <a:endParaRPr lang="en-US" dirty="0"/>
+          </a:p>
+        </p:txBody>
+      </p:sp>
+      <p:sp>
+        <p:nvSpPr>
+          <p:cNvPr id="4" name="Slide Number Placeholder 3"/>
+          <p:cNvSpPr>
+            <a:spLocks noGrp="1"/>
+          </p:cNvSpPr>
+          <p:nvPr>
+            <p:ph type="sldNum" sz="quarter" idx="12"/>
+          </p:nvPr>
+        </p:nvSpPr>
+        <p:spPr/>
+        <p:txBody>
+          <a:bodyPr/>
+          <a:lstStyle/>
+          <a:p>
+            <a:fld id="{082C95A6-F436-44CF-8E3B-7388B694EC46}" type="slidenum">
+              <a:rPr lang="en-US" smtClean="0"/>
+              <a:t>25</a:t>
             </a:fld>
             <a:endParaRPr lang="en-US"/>
           </a:p>
@@ -25646,11 +25986,19 @@
   <p:clrMapOvr>
     <a:masterClrMapping/>
   </p:clrMapOvr>
+  <mc:AlternateContent xmlns:mc="http://schemas.openxmlformats.org/markup-compatibility/2006">
+    <mc:Choice xmlns:p14="http://schemas.microsoft.com/office/powerpoint/2010/main" Requires="p14">
+      <p:transition spd="slow" p14:dur="2000"/>
+    </mc:Choice>
+    <mc:Fallback>
+      <p:transition spd="slow"/>
+    </mc:Fallback>
+  </mc:AlternateContent>
 </p:sld>
 </file>
 
-<file path=ppt/slides/slide25.xml><?xml version="1.0" encoding="utf-8"?>
-<p:sld xmlns:a="http://schemas.openxmlformats.org/drawingml/2006/main" xmlns:r="http://schemas.openxmlformats.org/officeDocument/2006/relationships" xmlns:p="http://schemas.openxmlformats.org/presentationml/2006/main">
+<file path=ppt/slides/slide26.xml><?xml version="1.0" encoding="utf-8"?>
+<p:sld xmlns:a="http://schemas.openxmlformats.org/drawingml/2006/main" xmlns:r="http://schemas.openxmlformats.org/officeDocument/2006/relationships" xmlns:p="http://schemas.openxmlformats.org/presentationml/2006/main" show="0">
   <p:cSld>
     <p:spTree>
       <p:nvGrpSpPr>
@@ -25842,7 +26190,7 @@
           <a:p>
             <a:fld id="{082C95A6-F436-44CF-8E3B-7388B694EC46}" type="slidenum">
               <a:rPr lang="en-US" smtClean="0"/>
-              <a:t>25</a:t>
+              <a:t>26</a:t>
             </a:fld>
             <a:endParaRPr lang="en-US"/>
           </a:p>
@@ -27509,11 +27857,19 @@
   <p:clrMapOvr>
     <a:masterClrMapping/>
   </p:clrMapOvr>
+  <mc:AlternateContent xmlns:mc="http://schemas.openxmlformats.org/markup-compatibility/2006">
+    <mc:Choice xmlns:p14="http://schemas.microsoft.com/office/powerpoint/2010/main" Requires="p14">
+      <p:transition spd="slow" p14:dur="2000"/>
+    </mc:Choice>
+    <mc:Fallback>
+      <p:transition spd="slow"/>
+    </mc:Fallback>
+  </mc:AlternateContent>
 </p:sld>
 </file>
 
-<file path=ppt/slides/slide26.xml><?xml version="1.0" encoding="utf-8"?>
-<p:sld xmlns:a="http://schemas.openxmlformats.org/drawingml/2006/main" xmlns:r="http://schemas.openxmlformats.org/officeDocument/2006/relationships" xmlns:p="http://schemas.openxmlformats.org/presentationml/2006/main">
+<file path=ppt/slides/slide27.xml><?xml version="1.0" encoding="utf-8"?>
+<p:sld xmlns:a="http://schemas.openxmlformats.org/drawingml/2006/main" xmlns:r="http://schemas.openxmlformats.org/officeDocument/2006/relationships" xmlns:p="http://schemas.openxmlformats.org/presentationml/2006/main" show="0">
   <p:cSld>
     <p:spTree>
       <p:nvGrpSpPr>
@@ -27584,7 +27940,7 @@
           <a:p>
             <a:fld id="{082C95A6-F436-44CF-8E3B-7388B694EC46}" type="slidenum">
               <a:rPr lang="en-US" smtClean="0"/>
-              <a:t>26</a:t>
+              <a:t>27</a:t>
             </a:fld>
             <a:endParaRPr lang="en-US"/>
           </a:p>
@@ -27918,15 +28274,7 @@
           <a:p>
             <a:r>
               <a:rPr lang="en-US" sz="3300" dirty="0" smtClean="0"/>
-              <a:t>With Guarantees </a:t>
-            </a:r>
-            <a:r>
-              <a:rPr lang="en-US" sz="3300" dirty="0" smtClean="0"/>
-              <a:t>Enforced by Legal </a:t>
-            </a:r>
-            <a:r>
-              <a:rPr lang="en-US" sz="3300" dirty="0" smtClean="0"/>
-              <a:t>System (?)</a:t>
+              <a:t>With Guarantees Enforced by Legal System (?)</a:t>
             </a:r>
             <a:endParaRPr lang="en-US" sz="3300" dirty="0"/>
           </a:p>
@@ -28238,10 +28586,18 @@
   <p:clrMapOvr>
     <a:masterClrMapping/>
   </p:clrMapOvr>
+  <mc:AlternateContent xmlns:mc="http://schemas.openxmlformats.org/markup-compatibility/2006">
+    <mc:Choice xmlns:p14="http://schemas.microsoft.com/office/powerpoint/2010/main" Requires="p14">
+      <p:transition spd="slow" p14:dur="2000"/>
+    </mc:Choice>
+    <mc:Fallback>
+      <p:transition spd="slow"/>
+    </mc:Fallback>
+  </mc:AlternateContent>
 </p:sld>
 </file>
 
-<file path=ppt/slides/slide27.xml><?xml version="1.0" encoding="utf-8"?>
+<file path=ppt/slides/slide28.xml><?xml version="1.0" encoding="utf-8"?>
 <p:sld xmlns:a="http://schemas.openxmlformats.org/drawingml/2006/main" xmlns:r="http://schemas.openxmlformats.org/officeDocument/2006/relationships" xmlns:p="http://schemas.openxmlformats.org/presentationml/2006/main" show="0">
   <p:cSld>
     <p:spTree>
@@ -28510,7 +28866,7 @@
           <a:p>
             <a:fld id="{082C95A6-F436-44CF-8E3B-7388B694EC46}" type="slidenum">
               <a:rPr lang="en-US" smtClean="0"/>
-              <a:t>27</a:t>
+              <a:t>28</a:t>
             </a:fld>
             <a:endParaRPr lang="en-US"/>
           </a:p>
@@ -28544,7 +28900,7 @@
 </p:sld>
 </file>
 
-<file path=ppt/slides/slide28.xml><?xml version="1.0" encoding="utf-8"?>
+<file path=ppt/slides/slide29.xml><?xml version="1.0" encoding="utf-8"?>
 <p:sld xmlns:a="http://schemas.openxmlformats.org/drawingml/2006/main" xmlns:r="http://schemas.openxmlformats.org/officeDocument/2006/relationships" xmlns:p="http://schemas.openxmlformats.org/presentationml/2006/main">
   <p:cSld>
     <p:spTree>
@@ -28689,7 +29045,7 @@
           <a:p>
             <a:fld id="{082C95A6-F436-44CF-8E3B-7388B694EC46}" type="slidenum">
               <a:rPr lang="en-US" smtClean="0"/>
-              <a:t>28</a:t>
+              <a:t>29</a:t>
             </a:fld>
             <a:endParaRPr lang="en-US"/>
           </a:p>
@@ -28715,8 +29071,297 @@
 </p:sld>
 </file>
 
-<file path=ppt/slides/slide29.xml><?xml version="1.0" encoding="utf-8"?>
+<file path=ppt/slides/slide3.xml><?xml version="1.0" encoding="utf-8"?>
 <p:sld xmlns:a="http://schemas.openxmlformats.org/drawingml/2006/main" xmlns:r="http://schemas.openxmlformats.org/officeDocument/2006/relationships" xmlns:p="http://schemas.openxmlformats.org/presentationml/2006/main">
+  <p:cSld>
+    <p:spTree>
+      <p:nvGrpSpPr>
+        <p:cNvPr id="1" name=""/>
+        <p:cNvGrpSpPr/>
+        <p:nvPr/>
+      </p:nvGrpSpPr>
+      <p:grpSpPr>
+        <a:xfrm>
+          <a:off x="0" y="0"/>
+          <a:ext cx="0" cy="0"/>
+          <a:chOff x="0" y="0"/>
+          <a:chExt cx="0" cy="0"/>
+        </a:xfrm>
+      </p:grpSpPr>
+      <p:sp>
+        <p:nvSpPr>
+          <p:cNvPr id="2" name="Title 1"/>
+          <p:cNvSpPr>
+            <a:spLocks noGrp="1"/>
+          </p:cNvSpPr>
+          <p:nvPr>
+            <p:ph type="title"/>
+          </p:nvPr>
+        </p:nvSpPr>
+        <p:spPr>
+          <a:xfrm>
+            <a:off x="457200" y="0"/>
+            <a:ext cx="8229600" cy="990600"/>
+          </a:xfrm>
+        </p:spPr>
+        <p:txBody>
+          <a:bodyPr/>
+          <a:lstStyle/>
+          <a:p>
+            <a:r>
+              <a:rPr lang="en-US" dirty="0" smtClean="0"/>
+              <a:t>Talk Outline – 26 Slides</a:t>
+            </a:r>
+            <a:endParaRPr lang="en-US" dirty="0"/>
+          </a:p>
+        </p:txBody>
+      </p:sp>
+      <p:sp>
+        <p:nvSpPr>
+          <p:cNvPr id="3" name="Content Placeholder 2"/>
+          <p:cNvSpPr>
+            <a:spLocks noGrp="1"/>
+          </p:cNvSpPr>
+          <p:nvPr>
+            <p:ph idx="1"/>
+          </p:nvPr>
+        </p:nvSpPr>
+        <p:spPr>
+          <a:xfrm>
+            <a:off x="457200" y="838200"/>
+            <a:ext cx="8229600" cy="5943600"/>
+          </a:xfrm>
+        </p:spPr>
+        <p:txBody>
+          <a:bodyPr>
+            <a:normAutofit fontScale="85000" lnSpcReduction="20000"/>
+          </a:bodyPr>
+          <a:lstStyle/>
+          <a:p>
+            <a:pPr marL="514350" indent="-514350">
+              <a:buFont typeface="+mj-lt"/>
+              <a:buAutoNum type="arabicPeriod"/>
+            </a:pPr>
+            <a:r>
+              <a:rPr lang="en-US" dirty="0" smtClean="0"/>
+              <a:t>The Outcome Problem (Slides 4 – 8)</a:t>
+            </a:r>
+          </a:p>
+          <a:p>
+            <a:pPr marL="914400" lvl="1" indent="-514350">
+              <a:buFont typeface="+mj-lt"/>
+              <a:buAutoNum type="arabicPeriod"/>
+            </a:pPr>
+            <a:r>
+              <a:rPr lang="en-US" dirty="0" smtClean="0"/>
+              <a:t>The Goal, stated clearly.</a:t>
+            </a:r>
+          </a:p>
+          <a:p>
+            <a:pPr marL="914400" lvl="1" indent="-514350">
+              <a:buFont typeface="+mj-lt"/>
+              <a:buAutoNum type="arabicPeriod"/>
+            </a:pPr>
+            <a:r>
+              <a:rPr lang="en-US" dirty="0" smtClean="0"/>
+              <a:t>Competing Arbiters? </a:t>
+            </a:r>
+            <a:r>
+              <a:rPr lang="en-US" dirty="0" smtClean="0"/>
+              <a:t>Not even close to good enough.</a:t>
+            </a:r>
+            <a:endParaRPr lang="en-US" dirty="0" smtClean="0"/>
+          </a:p>
+          <a:p>
+            <a:pPr marL="914400" lvl="1" indent="-514350">
+              <a:buFont typeface="+mj-lt"/>
+              <a:buAutoNum type="arabicPeriod"/>
+            </a:pPr>
+            <a:r>
+              <a:rPr lang="en-US" dirty="0" smtClean="0"/>
+              <a:t>The Assumption.</a:t>
+            </a:r>
+          </a:p>
+          <a:p>
+            <a:pPr marL="514350" indent="-514350">
+              <a:buFont typeface="+mj-lt"/>
+              <a:buAutoNum type="arabicPeriod"/>
+            </a:pPr>
+            <a:r>
+              <a:rPr lang="en-US" dirty="0" smtClean="0"/>
+              <a:t>How can </a:t>
+            </a:r>
+            <a:r>
+              <a:rPr lang="en-US" dirty="0" smtClean="0"/>
+              <a:t>we do better? (Slides 9 </a:t>
+            </a:r>
+            <a:r>
+              <a:rPr lang="en-US" dirty="0"/>
+              <a:t>– </a:t>
+            </a:r>
+            <a:r>
+              <a:rPr lang="en-US" dirty="0" smtClean="0"/>
+              <a:t>13)</a:t>
+            </a:r>
+          </a:p>
+          <a:p>
+            <a:pPr marL="914400" lvl="1" indent="-514350">
+              <a:buFont typeface="+mj-lt"/>
+              <a:buAutoNum type="arabicPeriod"/>
+            </a:pPr>
+            <a:r>
+              <a:rPr lang="en-US" dirty="0" smtClean="0"/>
+              <a:t>Consistency – brought to you by SVD.</a:t>
+            </a:r>
+          </a:p>
+          <a:p>
+            <a:pPr marL="914400" lvl="1" indent="-514350">
+              <a:buFont typeface="+mj-lt"/>
+              <a:buAutoNum type="arabicPeriod"/>
+            </a:pPr>
+            <a:r>
+              <a:rPr lang="en-US" dirty="0" smtClean="0"/>
+              <a:t>Reputation – brought to you by financial econ.</a:t>
+            </a:r>
+          </a:p>
+          <a:p>
+            <a:pPr marL="514350" indent="-514350">
+              <a:buFont typeface="+mj-lt"/>
+              <a:buAutoNum type="arabicPeriod"/>
+            </a:pPr>
+            <a:r>
+              <a:rPr lang="en-US" dirty="0" err="1" smtClean="0"/>
+              <a:t>Truthcoin</a:t>
+            </a:r>
+            <a:r>
+              <a:rPr lang="en-US" dirty="0" smtClean="0"/>
+              <a:t> Overview (14-19)</a:t>
+            </a:r>
+          </a:p>
+          <a:p>
+            <a:pPr marL="914400" lvl="1" indent="-514350">
+              <a:buFont typeface="+mj-lt"/>
+              <a:buAutoNum type="arabicPeriod"/>
+            </a:pPr>
+            <a:r>
+              <a:rPr lang="en-US" dirty="0" smtClean="0"/>
+              <a:t>The Big Graphic.</a:t>
+            </a:r>
+          </a:p>
+          <a:p>
+            <a:pPr marL="914400" lvl="1" indent="-514350">
+              <a:buFont typeface="+mj-lt"/>
+              <a:buAutoNum type="arabicPeriod"/>
+            </a:pPr>
+            <a:r>
+              <a:rPr lang="en-US" dirty="0" smtClean="0"/>
+              <a:t>Scalability via “Branching”.</a:t>
+            </a:r>
+          </a:p>
+          <a:p>
+            <a:pPr marL="914400" lvl="1" indent="-514350">
+              <a:buFont typeface="+mj-lt"/>
+              <a:buAutoNum type="arabicPeriod"/>
+            </a:pPr>
+            <a:r>
+              <a:rPr lang="en-US" dirty="0" smtClean="0"/>
+              <a:t>The 51% ownership attack.</a:t>
+            </a:r>
+          </a:p>
+          <a:p>
+            <a:pPr marL="514350" indent="-514350">
+              <a:buFont typeface="+mj-lt"/>
+              <a:buAutoNum type="arabicPeriod"/>
+            </a:pPr>
+            <a:r>
+              <a:rPr lang="en-US" dirty="0" smtClean="0"/>
+              <a:t>Going Beyond (19-26)</a:t>
+            </a:r>
+          </a:p>
+          <a:p>
+            <a:pPr marL="914400" lvl="1" indent="-514350">
+              <a:buFont typeface="+mj-lt"/>
+              <a:buAutoNum type="arabicPeriod"/>
+            </a:pPr>
+            <a:r>
+              <a:rPr lang="en-US" dirty="0" smtClean="0"/>
+              <a:t>Auditing Branches (Two-Wave SVD)</a:t>
+            </a:r>
+          </a:p>
+          <a:p>
+            <a:pPr marL="914400" lvl="1" indent="-514350">
+              <a:buFont typeface="+mj-lt"/>
+              <a:buAutoNum type="arabicPeriod"/>
+            </a:pPr>
+            <a:r>
+              <a:rPr lang="en-US" dirty="0" smtClean="0"/>
+              <a:t>Vetoing Bad Votes</a:t>
+            </a:r>
+          </a:p>
+          <a:p>
+            <a:pPr marL="914400" lvl="1" indent="-514350">
+              <a:buFont typeface="+mj-lt"/>
+              <a:buAutoNum type="arabicPeriod"/>
+            </a:pPr>
+            <a:r>
+              <a:rPr lang="en-US" dirty="0" smtClean="0"/>
+              <a:t>Semi-Trusted “Branch Insurance”</a:t>
+            </a:r>
+          </a:p>
+          <a:p>
+            <a:pPr marL="514350" indent="-514350">
+              <a:buFont typeface="+mj-lt"/>
+              <a:buAutoNum type="arabicPeriod"/>
+            </a:pPr>
+            <a:endParaRPr lang="en-US" dirty="0"/>
+          </a:p>
+        </p:txBody>
+      </p:sp>
+      <p:sp>
+        <p:nvSpPr>
+          <p:cNvPr id="4" name="Slide Number Placeholder 3"/>
+          <p:cNvSpPr>
+            <a:spLocks noGrp="1"/>
+          </p:cNvSpPr>
+          <p:nvPr>
+            <p:ph type="sldNum" sz="quarter" idx="12"/>
+          </p:nvPr>
+        </p:nvSpPr>
+        <p:spPr/>
+        <p:txBody>
+          <a:bodyPr/>
+          <a:lstStyle/>
+          <a:p>
+            <a:fld id="{082C95A6-F436-44CF-8E3B-7388B694EC46}" type="slidenum">
+              <a:rPr lang="en-US" smtClean="0"/>
+              <a:t>3</a:t>
+            </a:fld>
+            <a:endParaRPr lang="en-US" dirty="0"/>
+          </a:p>
+        </p:txBody>
+      </p:sp>
+    </p:spTree>
+    <p:extLst>
+      <p:ext uri="{BB962C8B-B14F-4D97-AF65-F5344CB8AC3E}">
+        <p14:creationId xmlns:p14="http://schemas.microsoft.com/office/powerpoint/2010/main" val="1926908195"/>
+      </p:ext>
+    </p:extLst>
+  </p:cSld>
+  <p:clrMapOvr>
+    <a:masterClrMapping/>
+  </p:clrMapOvr>
+  <p:timing>
+    <p:tnLst>
+      <p:par>
+        <p:cTn id="1" dur="indefinite" restart="never" nodeType="tmRoot"/>
+      </p:par>
+    </p:tnLst>
+  </p:timing>
+</p:sld>
+</file>
+
+<file path=ppt/slides/slide30.xml><?xml version="1.0" encoding="utf-8"?>
+<p:sld xmlns:a="http://schemas.openxmlformats.org/drawingml/2006/main" xmlns:r="http://schemas.openxmlformats.org/officeDocument/2006/relationships" xmlns:p="http://schemas.openxmlformats.org/presentationml/2006/main" show="0">
   <p:cSld>
     <p:spTree>
       <p:nvGrpSpPr>
@@ -30834,7 +31479,7 @@
           <a:p>
             <a:fld id="{082C95A6-F436-44CF-8E3B-7388B694EC46}" type="slidenum">
               <a:rPr lang="en-US" smtClean="0"/>
-              <a:t>29</a:t>
+              <a:t>30</a:t>
             </a:fld>
             <a:endParaRPr lang="en-US"/>
           </a:p>
@@ -30850,6 +31495,14 @@
   <p:clrMapOvr>
     <a:masterClrMapping/>
   </p:clrMapOvr>
+  <mc:AlternateContent xmlns:mc="http://schemas.openxmlformats.org/markup-compatibility/2006">
+    <mc:Choice xmlns:p14="http://schemas.microsoft.com/office/powerpoint/2010/main" Requires="p14">
+      <p:transition spd="slow" p14:dur="2000"/>
+    </mc:Choice>
+    <mc:Fallback>
+      <p:transition spd="slow"/>
+    </mc:Fallback>
+  </mc:AlternateContent>
   <p:timing>
     <p:tnLst>
       <p:par>
@@ -30860,288 +31513,8 @@
 </p:sld>
 </file>
 
-<file path=ppt/slides/slide3.xml><?xml version="1.0" encoding="utf-8"?>
-<p:sld xmlns:a="http://schemas.openxmlformats.org/drawingml/2006/main" xmlns:r="http://schemas.openxmlformats.org/officeDocument/2006/relationships" xmlns:p="http://schemas.openxmlformats.org/presentationml/2006/main">
-  <p:cSld>
-    <p:spTree>
-      <p:nvGrpSpPr>
-        <p:cNvPr id="1" name=""/>
-        <p:cNvGrpSpPr/>
-        <p:nvPr/>
-      </p:nvGrpSpPr>
-      <p:grpSpPr>
-        <a:xfrm>
-          <a:off x="0" y="0"/>
-          <a:ext cx="0" cy="0"/>
-          <a:chOff x="0" y="0"/>
-          <a:chExt cx="0" cy="0"/>
-        </a:xfrm>
-      </p:grpSpPr>
-      <p:sp>
-        <p:nvSpPr>
-          <p:cNvPr id="2" name="Title 1"/>
-          <p:cNvSpPr>
-            <a:spLocks noGrp="1"/>
-          </p:cNvSpPr>
-          <p:nvPr>
-            <p:ph type="title"/>
-          </p:nvPr>
-        </p:nvSpPr>
-        <p:spPr>
-          <a:xfrm>
-            <a:off x="457200" y="0"/>
-            <a:ext cx="8229600" cy="990600"/>
-          </a:xfrm>
-        </p:spPr>
-        <p:txBody>
-          <a:bodyPr/>
-          <a:lstStyle/>
-          <a:p>
-            <a:r>
-              <a:rPr lang="en-US" dirty="0" smtClean="0"/>
-              <a:t>Talk Outline – 26 Slides</a:t>
-            </a:r>
-            <a:endParaRPr lang="en-US" dirty="0"/>
-          </a:p>
-        </p:txBody>
-      </p:sp>
-      <p:sp>
-        <p:nvSpPr>
-          <p:cNvPr id="3" name="Content Placeholder 2"/>
-          <p:cNvSpPr>
-            <a:spLocks noGrp="1"/>
-          </p:cNvSpPr>
-          <p:nvPr>
-            <p:ph idx="1"/>
-          </p:nvPr>
-        </p:nvSpPr>
-        <p:spPr>
-          <a:xfrm>
-            <a:off x="457200" y="838200"/>
-            <a:ext cx="8229600" cy="5943600"/>
-          </a:xfrm>
-        </p:spPr>
-        <p:txBody>
-          <a:bodyPr>
-            <a:normAutofit fontScale="85000" lnSpcReduction="20000"/>
-          </a:bodyPr>
-          <a:lstStyle/>
-          <a:p>
-            <a:pPr marL="514350" indent="-514350">
-              <a:buFont typeface="+mj-lt"/>
-              <a:buAutoNum type="arabicPeriod"/>
-            </a:pPr>
-            <a:r>
-              <a:rPr lang="en-US" dirty="0" smtClean="0"/>
-              <a:t>The Outcome Problem (Slides 4 – 8)</a:t>
-            </a:r>
-          </a:p>
-          <a:p>
-            <a:pPr marL="914400" lvl="1" indent="-514350">
-              <a:buFont typeface="+mj-lt"/>
-              <a:buAutoNum type="arabicPeriod"/>
-            </a:pPr>
-            <a:r>
-              <a:rPr lang="en-US" dirty="0" smtClean="0"/>
-              <a:t>The Goal, stated clearly.</a:t>
-            </a:r>
-          </a:p>
-          <a:p>
-            <a:pPr marL="914400" lvl="1" indent="-514350">
-              <a:buFont typeface="+mj-lt"/>
-              <a:buAutoNum type="arabicPeriod"/>
-            </a:pPr>
-            <a:r>
-              <a:rPr lang="en-US" dirty="0" smtClean="0"/>
-              <a:t>Competing Arbiters? Not convincing.</a:t>
-            </a:r>
-          </a:p>
-          <a:p>
-            <a:pPr marL="914400" lvl="1" indent="-514350">
-              <a:buFont typeface="+mj-lt"/>
-              <a:buAutoNum type="arabicPeriod"/>
-            </a:pPr>
-            <a:r>
-              <a:rPr lang="en-US" dirty="0" smtClean="0"/>
-              <a:t>The Assumption.</a:t>
-            </a:r>
-          </a:p>
-          <a:p>
-            <a:pPr marL="514350" indent="-514350">
-              <a:buFont typeface="+mj-lt"/>
-              <a:buAutoNum type="arabicPeriod"/>
-            </a:pPr>
-            <a:r>
-              <a:rPr lang="en-US" dirty="0" smtClean="0"/>
-              <a:t>Can we do better? (Slides 9 </a:t>
-            </a:r>
-            <a:r>
-              <a:rPr lang="en-US" dirty="0"/>
-              <a:t>– </a:t>
-            </a:r>
-            <a:r>
-              <a:rPr lang="en-US" dirty="0" smtClean="0"/>
-              <a:t>13)</a:t>
-            </a:r>
-          </a:p>
-          <a:p>
-            <a:pPr marL="914400" lvl="1" indent="-514350">
-              <a:buFont typeface="+mj-lt"/>
-              <a:buAutoNum type="arabicPeriod"/>
-            </a:pPr>
-            <a:r>
-              <a:rPr lang="en-US" dirty="0" smtClean="0"/>
-              <a:t>Consistency – brought to you by SVD.</a:t>
-            </a:r>
-          </a:p>
-          <a:p>
-            <a:pPr marL="914400" lvl="1" indent="-514350">
-              <a:buFont typeface="+mj-lt"/>
-              <a:buAutoNum type="arabicPeriod"/>
-            </a:pPr>
-            <a:r>
-              <a:rPr lang="en-US" dirty="0" smtClean="0"/>
-              <a:t>Reputation – brought to you by financial econ.</a:t>
-            </a:r>
-          </a:p>
-          <a:p>
-            <a:pPr marL="514350" indent="-514350">
-              <a:buFont typeface="+mj-lt"/>
-              <a:buAutoNum type="arabicPeriod"/>
-            </a:pPr>
-            <a:r>
-              <a:rPr lang="en-US" dirty="0" err="1" smtClean="0"/>
-              <a:t>Truthcoin</a:t>
-            </a:r>
-            <a:r>
-              <a:rPr lang="en-US" dirty="0" smtClean="0"/>
-              <a:t> Overview (14-19)</a:t>
-            </a:r>
-          </a:p>
-          <a:p>
-            <a:pPr marL="914400" lvl="1" indent="-514350">
-              <a:buFont typeface="+mj-lt"/>
-              <a:buAutoNum type="arabicPeriod"/>
-            </a:pPr>
-            <a:r>
-              <a:rPr lang="en-US" dirty="0" smtClean="0"/>
-              <a:t>The Big Graphic.</a:t>
-            </a:r>
-          </a:p>
-          <a:p>
-            <a:pPr marL="914400" lvl="1" indent="-514350">
-              <a:buFont typeface="+mj-lt"/>
-              <a:buAutoNum type="arabicPeriod"/>
-            </a:pPr>
-            <a:r>
-              <a:rPr lang="en-US" dirty="0" smtClean="0"/>
-              <a:t>Scalability via “Branching”.</a:t>
-            </a:r>
-          </a:p>
-          <a:p>
-            <a:pPr marL="914400" lvl="1" indent="-514350">
-              <a:buFont typeface="+mj-lt"/>
-              <a:buAutoNum type="arabicPeriod"/>
-            </a:pPr>
-            <a:r>
-              <a:rPr lang="en-US" dirty="0" smtClean="0"/>
-              <a:t>The 51% ownership attack.</a:t>
-            </a:r>
-          </a:p>
-          <a:p>
-            <a:pPr marL="514350" indent="-514350">
-              <a:buFont typeface="+mj-lt"/>
-              <a:buAutoNum type="arabicPeriod"/>
-            </a:pPr>
-            <a:r>
-              <a:rPr lang="en-US" dirty="0" smtClean="0"/>
-              <a:t>Going Beyond (19-26)</a:t>
-            </a:r>
-          </a:p>
-          <a:p>
-            <a:pPr marL="914400" lvl="1" indent="-514350">
-              <a:buFont typeface="+mj-lt"/>
-              <a:buAutoNum type="arabicPeriod"/>
-            </a:pPr>
-            <a:r>
-              <a:rPr lang="en-US" dirty="0" smtClean="0"/>
-              <a:t>Auditing Branches (Two-Wave SVD)</a:t>
-            </a:r>
-          </a:p>
-          <a:p>
-            <a:pPr marL="914400" lvl="1" indent="-514350">
-              <a:buFont typeface="+mj-lt"/>
-              <a:buAutoNum type="arabicPeriod"/>
-            </a:pPr>
-            <a:r>
-              <a:rPr lang="en-US" dirty="0" smtClean="0"/>
-              <a:t>Vetoing Bad Votes</a:t>
-            </a:r>
-          </a:p>
-          <a:p>
-            <a:pPr marL="914400" lvl="1" indent="-514350">
-              <a:buFont typeface="+mj-lt"/>
-              <a:buAutoNum type="arabicPeriod"/>
-            </a:pPr>
-            <a:r>
-              <a:rPr lang="en-US" dirty="0" smtClean="0"/>
-              <a:t>Semi-Trusted “Branch Insurance”</a:t>
-            </a:r>
-          </a:p>
-          <a:p>
-            <a:pPr marL="514350" indent="-514350">
-              <a:buFont typeface="+mj-lt"/>
-              <a:buAutoNum type="arabicPeriod"/>
-            </a:pPr>
-            <a:endParaRPr lang="en-US" dirty="0"/>
-          </a:p>
-        </p:txBody>
-      </p:sp>
-      <p:sp>
-        <p:nvSpPr>
-          <p:cNvPr id="4" name="Slide Number Placeholder 3"/>
-          <p:cNvSpPr>
-            <a:spLocks noGrp="1"/>
-          </p:cNvSpPr>
-          <p:nvPr>
-            <p:ph type="sldNum" sz="quarter" idx="12"/>
-          </p:nvPr>
-        </p:nvSpPr>
-        <p:spPr/>
-        <p:txBody>
-          <a:bodyPr/>
-          <a:lstStyle/>
-          <a:p>
-            <a:fld id="{082C95A6-F436-44CF-8E3B-7388B694EC46}" type="slidenum">
-              <a:rPr lang="en-US" smtClean="0"/>
-              <a:t>3</a:t>
-            </a:fld>
-            <a:endParaRPr lang="en-US" dirty="0"/>
-          </a:p>
-        </p:txBody>
-      </p:sp>
-    </p:spTree>
-    <p:extLst>
-      <p:ext uri="{BB962C8B-B14F-4D97-AF65-F5344CB8AC3E}">
-        <p14:creationId xmlns:p14="http://schemas.microsoft.com/office/powerpoint/2010/main" val="1926908195"/>
-      </p:ext>
-    </p:extLst>
-  </p:cSld>
-  <p:clrMapOvr>
-    <a:masterClrMapping/>
-  </p:clrMapOvr>
-  <p:timing>
-    <p:tnLst>
-      <p:par>
-        <p:cTn id="1" dur="indefinite" restart="never" nodeType="tmRoot"/>
-      </p:par>
-    </p:tnLst>
-  </p:timing>
-</p:sld>
-</file>
-
-<file path=ppt/slides/slide30.xml><?xml version="1.0" encoding="utf-8"?>
-<p:sld xmlns:a="http://schemas.openxmlformats.org/drawingml/2006/main" xmlns:r="http://schemas.openxmlformats.org/officeDocument/2006/relationships" xmlns:p="http://schemas.openxmlformats.org/presentationml/2006/main">
+<file path=ppt/slides/slide31.xml><?xml version="1.0" encoding="utf-8"?>
+<p:sld xmlns:a="http://schemas.openxmlformats.org/drawingml/2006/main" xmlns:r="http://schemas.openxmlformats.org/officeDocument/2006/relationships" xmlns:p="http://schemas.openxmlformats.org/presentationml/2006/main" show="0">
   <p:cSld>
     <p:spTree>
       <p:nvGrpSpPr>
@@ -31419,7 +31792,7 @@
           <a:p>
             <a:fld id="{082C95A6-F436-44CF-8E3B-7388B694EC46}" type="slidenum">
               <a:rPr lang="en-US" smtClean="0"/>
-              <a:t>30</a:t>
+              <a:t>31</a:t>
             </a:fld>
             <a:endParaRPr lang="en-US"/>
           </a:p>
@@ -31435,6 +31808,14 @@
   <p:clrMapOvr>
     <a:masterClrMapping/>
   </p:clrMapOvr>
+  <mc:AlternateContent xmlns:mc="http://schemas.openxmlformats.org/markup-compatibility/2006">
+    <mc:Choice xmlns:p14="http://schemas.microsoft.com/office/powerpoint/2010/main" Requires="p14">
+      <p:transition spd="slow" p14:dur="2000"/>
+    </mc:Choice>
+    <mc:Fallback>
+      <p:transition spd="slow"/>
+    </mc:Fallback>
+  </mc:AlternateContent>
   <p:timing>
     <p:tnLst>
       <p:par>
@@ -31445,7 +31826,7 @@
 </p:sld>
 </file>
 
-<file path=ppt/slides/slide31.xml><?xml version="1.0" encoding="utf-8"?>
+<file path=ppt/slides/slide32.xml><?xml version="1.0" encoding="utf-8"?>
 <p:sld xmlns:a="http://schemas.openxmlformats.org/drawingml/2006/main" xmlns:r="http://schemas.openxmlformats.org/officeDocument/2006/relationships" xmlns:p="http://schemas.openxmlformats.org/presentationml/2006/main" show="0">
   <p:cSld>
     <p:spTree>
@@ -31853,7 +32234,11 @@
           <a:p>
             <a:r>
               <a:rPr lang="en-US" dirty="0" smtClean="0"/>
-              <a:t>What won’t work:</a:t>
+              <a:t>Existing Proposal (Which Won’t Work):</a:t>
+            </a:r>
+            <a:r>
+              <a:rPr lang="en-US" dirty="0" smtClean="0"/>
+              <a:t/>
             </a:r>
             <a:br>
               <a:rPr lang="en-US" dirty="0" smtClean="0"/>
@@ -35439,7 +35824,7 @@
           <p:nvPr>
             <p:extLst>
               <p:ext uri="{D42A27DB-BD31-4B8C-83A1-F6EECF244321}">
-                <p14:modId xmlns:p14="http://schemas.microsoft.com/office/powerpoint/2010/main" val="1149917664"/>
+                <p14:modId xmlns:p14="http://schemas.microsoft.com/office/powerpoint/2010/main" val="2798559218"/>
               </p:ext>
             </p:extLst>
           </p:nvPr>
@@ -36396,7 +36781,19 @@
                           <a:ea typeface="+mn-ea"/>
                           <a:cs typeface="+mn-cs"/>
                         </a:rPr>
-                        <a:t>With Arbiter retirement-plans</a:t>
+                        <a:t>With Arbiter </a:t>
+                      </a:r>
+                      <a:r>
+                        <a:rPr lang="en-US" sz="1800" b="1" i="0" kern="1200" dirty="0" smtClean="0">
+                          <a:solidFill>
+                            <a:schemeClr val="dk1"/>
+                          </a:solidFill>
+                          <a:effectLst/>
+                          <a:latin typeface="+mn-lt"/>
+                          <a:ea typeface="+mn-ea"/>
+                          <a:cs typeface="+mn-cs"/>
+                        </a:rPr>
+                        <a:t>retirement-plans</a:t>
                       </a:r>
                       <a:r>
                         <a:rPr lang="en-US" sz="1800" b="0" i="0" kern="1200" baseline="0" dirty="0" smtClean="0">
